--- a/ppt/Resultados.pptx
+++ b/ppt/Resultados.pptx
@@ -105,6 +105,11 @@
       </a:defRPr>
     </a:lvl9pPr>
   </p:defaultTextStyle>
+  <p:extLst>
+    <p:ext uri="{EFAFB233-063F-42B5-8137-9DF3F51BA10A}">
+      <p15:sldGuideLst xmlns:p15="http://schemas.microsoft.com/office/powerpoint/2012/main"/>
+    </p:ext>
+  </p:extLst>
 </p:presentation>
 </file>
 
@@ -239,7 +244,7 @@
           <a:p>
             <a:fld id="{63C89715-E4C5-4404-A21D-FE674B631963}" type="datetimeFigureOut">
               <a:rPr lang="es-ES" smtClean="0"/>
-              <a:t>10/03/2024</a:t>
+              <a:t>11/03/2024</a:t>
             </a:fld>
             <a:endParaRPr lang="es-ES"/>
           </a:p>
@@ -409,7 +414,7 @@
           <a:p>
             <a:fld id="{63C89715-E4C5-4404-A21D-FE674B631963}" type="datetimeFigureOut">
               <a:rPr lang="es-ES" smtClean="0"/>
-              <a:t>10/03/2024</a:t>
+              <a:t>11/03/2024</a:t>
             </a:fld>
             <a:endParaRPr lang="es-ES"/>
           </a:p>
@@ -589,7 +594,7 @@
           <a:p>
             <a:fld id="{63C89715-E4C5-4404-A21D-FE674B631963}" type="datetimeFigureOut">
               <a:rPr lang="es-ES" smtClean="0"/>
-              <a:t>10/03/2024</a:t>
+              <a:t>11/03/2024</a:t>
             </a:fld>
             <a:endParaRPr lang="es-ES"/>
           </a:p>
@@ -759,7 +764,7 @@
           <a:p>
             <a:fld id="{63C89715-E4C5-4404-A21D-FE674B631963}" type="datetimeFigureOut">
               <a:rPr lang="es-ES" smtClean="0"/>
-              <a:t>10/03/2024</a:t>
+              <a:t>11/03/2024</a:t>
             </a:fld>
             <a:endParaRPr lang="es-ES"/>
           </a:p>
@@ -1005,7 +1010,7 @@
           <a:p>
             <a:fld id="{63C89715-E4C5-4404-A21D-FE674B631963}" type="datetimeFigureOut">
               <a:rPr lang="es-ES" smtClean="0"/>
-              <a:t>10/03/2024</a:t>
+              <a:t>11/03/2024</a:t>
             </a:fld>
             <a:endParaRPr lang="es-ES"/>
           </a:p>
@@ -1237,7 +1242,7 @@
           <a:p>
             <a:fld id="{63C89715-E4C5-4404-A21D-FE674B631963}" type="datetimeFigureOut">
               <a:rPr lang="es-ES" smtClean="0"/>
-              <a:t>10/03/2024</a:t>
+              <a:t>11/03/2024</a:t>
             </a:fld>
             <a:endParaRPr lang="es-ES"/>
           </a:p>
@@ -1604,7 +1609,7 @@
           <a:p>
             <a:fld id="{63C89715-E4C5-4404-A21D-FE674B631963}" type="datetimeFigureOut">
               <a:rPr lang="es-ES" smtClean="0"/>
-              <a:t>10/03/2024</a:t>
+              <a:t>11/03/2024</a:t>
             </a:fld>
             <a:endParaRPr lang="es-ES"/>
           </a:p>
@@ -1722,7 +1727,7 @@
           <a:p>
             <a:fld id="{63C89715-E4C5-4404-A21D-FE674B631963}" type="datetimeFigureOut">
               <a:rPr lang="es-ES" smtClean="0"/>
-              <a:t>10/03/2024</a:t>
+              <a:t>11/03/2024</a:t>
             </a:fld>
             <a:endParaRPr lang="es-ES"/>
           </a:p>
@@ -1817,7 +1822,7 @@
           <a:p>
             <a:fld id="{63C89715-E4C5-4404-A21D-FE674B631963}" type="datetimeFigureOut">
               <a:rPr lang="es-ES" smtClean="0"/>
-              <a:t>10/03/2024</a:t>
+              <a:t>11/03/2024</a:t>
             </a:fld>
             <a:endParaRPr lang="es-ES"/>
           </a:p>
@@ -2094,7 +2099,7 @@
           <a:p>
             <a:fld id="{63C89715-E4C5-4404-A21D-FE674B631963}" type="datetimeFigureOut">
               <a:rPr lang="es-ES" smtClean="0"/>
-              <a:t>10/03/2024</a:t>
+              <a:t>11/03/2024</a:t>
             </a:fld>
             <a:endParaRPr lang="es-ES"/>
           </a:p>
@@ -2347,7 +2352,7 @@
           <a:p>
             <a:fld id="{63C89715-E4C5-4404-A21D-FE674B631963}" type="datetimeFigureOut">
               <a:rPr lang="es-ES" smtClean="0"/>
-              <a:t>10/03/2024</a:t>
+              <a:t>11/03/2024</a:t>
             </a:fld>
             <a:endParaRPr lang="es-ES"/>
           </a:p>
@@ -2560,7 +2565,7 @@
           <a:p>
             <a:fld id="{63C89715-E4C5-4404-A21D-FE674B631963}" type="datetimeFigureOut">
               <a:rPr lang="es-ES" smtClean="0"/>
-              <a:t>10/03/2024</a:t>
+              <a:t>11/03/2024</a:t>
             </a:fld>
             <a:endParaRPr lang="es-ES"/>
           </a:p>
@@ -3057,11 +3062,7 @@
             </a:r>
             <a:r>
               <a:rPr lang="en-US" dirty="0" smtClean="0"/>
-              <a:t> Random Search: [0.1, 0.1, 0.2, 0.0, 0.3] </a:t>
-            </a:r>
-            <a:r>
-              <a:rPr lang="en-US" dirty="0" smtClean="0"/>
-              <a:t>con </a:t>
+              <a:t> Random Search: [0.1, 0.1, 0.2, 0.0, 0.3] con </a:t>
             </a:r>
             <a:r>
               <a:rPr lang="en-US" dirty="0" err="1" smtClean="0"/>
@@ -3069,11 +3070,7 @@
             </a:r>
             <a:r>
               <a:rPr lang="en-US" dirty="0" smtClean="0"/>
-              <a:t> </a:t>
-            </a:r>
-            <a:r>
-              <a:rPr lang="en-US" dirty="0" smtClean="0"/>
-              <a:t>1.20</a:t>
+              <a:t> 1.20</a:t>
             </a:r>
           </a:p>
           <a:p>
@@ -3106,15 +3103,7 @@
             </a:r>
             <a:r>
               <a:rPr lang="en-US" dirty="0" smtClean="0"/>
-              <a:t> </a:t>
-            </a:r>
-            <a:r>
-              <a:rPr lang="en-US" dirty="0" smtClean="0"/>
-              <a:t>Random Walk: [0.0, 0.4, 0.1, 0.0, 0.4] </a:t>
-            </a:r>
-            <a:r>
-              <a:rPr lang="en-US" dirty="0" smtClean="0"/>
-              <a:t>con </a:t>
+              <a:t> Random Walk: [0.0, 0.4, 0.1, 0.0, 0.4] con </a:t>
             </a:r>
             <a:r>
               <a:rPr lang="en-US" dirty="0" err="1" smtClean="0"/>
@@ -3122,11 +3111,7 @@
             </a:r>
             <a:r>
               <a:rPr lang="en-US" dirty="0" smtClean="0"/>
-              <a:t> </a:t>
-            </a:r>
-            <a:r>
-              <a:rPr lang="en-US" dirty="0" smtClean="0"/>
-              <a:t>4.50</a:t>
+              <a:t> 4.50</a:t>
             </a:r>
           </a:p>
           <a:p>
@@ -3159,15 +3144,7 @@
             </a:r>
             <a:r>
               <a:rPr lang="en-US" dirty="0" smtClean="0"/>
-              <a:t> </a:t>
-            </a:r>
-            <a:r>
-              <a:rPr lang="en-US" dirty="0" smtClean="0"/>
-              <a:t>Hill Climbing: [0.1, 0.3, 0.1, 0.1, 0.2] </a:t>
-            </a:r>
-            <a:r>
-              <a:rPr lang="en-US" dirty="0" smtClean="0"/>
-              <a:t>con </a:t>
+              <a:t> Hill Climbing: [0.1, 0.3, 0.1, 0.1, 0.2] con </a:t>
             </a:r>
             <a:r>
               <a:rPr lang="en-US" dirty="0" err="1" smtClean="0"/>
@@ -3175,11 +3152,7 @@
             </a:r>
             <a:r>
               <a:rPr lang="en-US" dirty="0" smtClean="0"/>
-              <a:t> </a:t>
-            </a:r>
-            <a:r>
-              <a:rPr lang="en-US" dirty="0" smtClean="0"/>
-              <a:t>0.40</a:t>
+              <a:t> 0.40</a:t>
             </a:r>
           </a:p>
           <a:p>
@@ -3212,28 +3185,74 @@
             </a:r>
             <a:r>
               <a:rPr lang="en-US" dirty="0" smtClean="0"/>
+              <a:t> Generic Algorithm: [0.0, 0.5, 0.1, 0.1, 0.3] con </a:t>
+            </a:r>
+            <a:r>
+              <a:rPr lang="en-US" dirty="0" err="1" smtClean="0"/>
+              <a:t>evaluación</a:t>
+            </a:r>
+            <a:r>
+              <a:rPr lang="en-US" dirty="0" smtClean="0"/>
               <a:t> </a:t>
             </a:r>
             <a:r>
               <a:rPr lang="en-US" dirty="0" smtClean="0"/>
-              <a:t>Generic Algorithm: [0.0, 0.5, 0.1, 0.1, 0.3] </a:t>
-            </a:r>
-            <a:r>
-              <a:rPr lang="en-US" dirty="0" smtClean="0"/>
-              <a:t>con </a:t>
-            </a:r>
-            <a:r>
-              <a:rPr lang="en-US" dirty="0" err="1" smtClean="0"/>
-              <a:t>evaluación</a:t>
+              <a:t>8.69</a:t>
+            </a:r>
+          </a:p>
+          <a:p>
+            <a:pPr marL="342900" indent="-342900" algn="l">
+              <a:lnSpc>
+                <a:spcPct val="100000"/>
+              </a:lnSpc>
+              <a:buFont typeface="Arial" panose="020B0604020202020204" pitchFamily="34" charset="0"/>
+              <a:buChar char="•"/>
+            </a:pPr>
+            <a:r>
+              <a:rPr lang="en-US" dirty="0" err="1" smtClean="0"/>
+              <a:t>Soluciones</a:t>
             </a:r>
             <a:r>
               <a:rPr lang="en-US" dirty="0" smtClean="0"/>
               <a:t> </a:t>
             </a:r>
             <a:r>
-              <a:rPr lang="en-US" dirty="0" smtClean="0"/>
-              <a:t>8.69</a:t>
-            </a:r>
+              <a:rPr lang="en-US" dirty="0" err="1" smtClean="0"/>
+              <a:t>obtenidas</a:t>
+            </a:r>
+            <a:r>
+              <a:rPr lang="en-US" dirty="0" smtClean="0"/>
+              <a:t> </a:t>
+            </a:r>
+            <a:r>
+              <a:rPr lang="en-US" dirty="0" err="1" smtClean="0"/>
+              <a:t>por</a:t>
+            </a:r>
+            <a:r>
+              <a:rPr lang="en-US" dirty="0"/>
+              <a:t> </a:t>
+            </a:r>
+            <a:r>
+              <a:rPr lang="en-US" dirty="0" smtClean="0"/>
+              <a:t>Evolution Strategy</a:t>
+            </a:r>
+            <a:r>
+              <a:rPr lang="en-US" dirty="0"/>
+              <a:t>: [0.0, 0.3, 0.3, 0.1, 0.1] with </a:t>
+            </a:r>
+            <a:r>
+              <a:rPr lang="en-US" dirty="0" err="1"/>
+              <a:t>evalution</a:t>
+            </a:r>
+            <a:r>
+              <a:rPr lang="en-US" dirty="0"/>
+              <a:t> </a:t>
+            </a:r>
+            <a:r>
+              <a:rPr lang="en-US" dirty="0" smtClean="0"/>
+              <a:t>0.49</a:t>
+            </a:r>
+            <a:endParaRPr lang="en-US" dirty="0" smtClean="0"/>
           </a:p>
           <a:p>
             <a:pPr algn="l">
@@ -3545,9 +3564,53 @@
             </a:r>
             <a:r>
               <a:rPr lang="en-US" dirty="0" smtClean="0"/>
-              <a:t> 31.80</a:t>
-            </a:r>
-            <a:endParaRPr lang="en-US" dirty="0"/>
+              <a:t> </a:t>
+            </a:r>
+            <a:r>
+              <a:rPr lang="en-US" dirty="0" smtClean="0"/>
+              <a:t>31.80</a:t>
+            </a:r>
+          </a:p>
+          <a:p>
+            <a:pPr marL="342900" indent="-342900" algn="l">
+              <a:lnSpc>
+                <a:spcPct val="100000"/>
+              </a:lnSpc>
+              <a:buFont typeface="Arial" panose="020B0604020202020204" pitchFamily="34" charset="0"/>
+              <a:buChar char="•"/>
+            </a:pPr>
+            <a:r>
+              <a:rPr lang="en-US" dirty="0" err="1"/>
+              <a:t>Soluciones</a:t>
+            </a:r>
+            <a:r>
+              <a:rPr lang="en-US" dirty="0"/>
+              <a:t> </a:t>
+            </a:r>
+            <a:r>
+              <a:rPr lang="en-US" dirty="0" err="1"/>
+              <a:t>obtenidas</a:t>
+            </a:r>
+            <a:r>
+              <a:rPr lang="en-US" dirty="0"/>
+              <a:t> </a:t>
+            </a:r>
+            <a:r>
+              <a:rPr lang="en-US" dirty="0" err="1"/>
+              <a:t>por</a:t>
+            </a:r>
+            <a:r>
+              <a:rPr lang="en-US" dirty="0"/>
+              <a:t> Evolution Strategy: [0.2, 0.4, 0.0, 0.0, 0.2] with </a:t>
+            </a:r>
+            <a:r>
+              <a:rPr lang="en-US" dirty="0" err="1" smtClean="0"/>
+              <a:t>evalution</a:t>
+            </a:r>
+            <a:r>
+              <a:rPr lang="en-US" dirty="0" smtClean="0"/>
+              <a:t> 0.60</a:t>
+            </a:r>
           </a:p>
           <a:p>
             <a:pPr algn="l">
@@ -3591,7 +3654,6 @@
               <a:rPr lang="en-US" dirty="0" smtClean="0"/>
               <a:t> total = 1000 / 7776 = 0.1286</a:t>
             </a:r>
-            <a:endParaRPr lang="en-US" dirty="0" smtClean="0"/>
           </a:p>
         </p:txBody>
       </p:sp>

--- a/ppt/Resultados.pptx
+++ b/ppt/Resultados.pptx
@@ -3062,15 +3062,31 @@
             </a:r>
             <a:r>
               <a:rPr lang="en-US" dirty="0" smtClean="0"/>
-              <a:t> Random Search: [0.1, 0.1, 0.2, 0.0, 0.3] con </a:t>
+              <a:t> Random </a:t>
+            </a:r>
+            <a:r>
+              <a:rPr lang="en-US" dirty="0" smtClean="0"/>
+              <a:t>Search [</a:t>
+            </a:r>
+            <a:r>
+              <a:rPr lang="en-US" dirty="0"/>
+              <a:t>0.0, 0.4, 0.0, 0.1, 0.3</a:t>
+            </a:r>
+            <a:r>
+              <a:rPr lang="en-US" dirty="0" smtClean="0"/>
+              <a:t>] con </a:t>
             </a:r>
             <a:r>
               <a:rPr lang="en-US" dirty="0" err="1" smtClean="0"/>
               <a:t>evaluación</a:t>
             </a:r>
             <a:r>
-              <a:rPr lang="en-US" dirty="0" smtClean="0"/>
-              <a:t> 1.20</a:t>
+              <a:rPr lang="en-US" dirty="0"/>
+              <a:t> </a:t>
+            </a:r>
+            <a:r>
+              <a:rPr lang="en-US" dirty="0" smtClean="0"/>
+              <a:t>9.3</a:t>
             </a:r>
           </a:p>
           <a:p>
@@ -3103,7 +3119,19 @@
             </a:r>
             <a:r>
               <a:rPr lang="en-US" dirty="0" smtClean="0"/>
-              <a:t> Random Walk: [0.0, 0.4, 0.1, 0.0, 0.4] con </a:t>
+              <a:t> Random Walk: </a:t>
+            </a:r>
+            <a:r>
+              <a:rPr lang="en-US" dirty="0"/>
+              <a:t>[0.1, 0.0, 0.2, 0.5, 0.0</a:t>
+            </a:r>
+            <a:r>
+              <a:rPr lang="en-US" dirty="0" smtClean="0"/>
+              <a:t>] </a:t>
+            </a:r>
+            <a:r>
+              <a:rPr lang="en-US" dirty="0" smtClean="0"/>
+              <a:t>con </a:t>
             </a:r>
             <a:r>
               <a:rPr lang="en-US" dirty="0" err="1" smtClean="0"/>
@@ -3111,8 +3139,13 @@
             </a:r>
             <a:r>
               <a:rPr lang="en-US" dirty="0" smtClean="0"/>
-              <a:t> 4.50</a:t>
-            </a:r>
+              <a:t> </a:t>
+            </a:r>
+            <a:r>
+              <a:rPr lang="en-US" dirty="0" smtClean="0"/>
+              <a:t>4.20</a:t>
+            </a:r>
+            <a:endParaRPr lang="en-US" dirty="0" smtClean="0"/>
           </a:p>
           <a:p>
             <a:pPr marL="342900" indent="-342900" algn="l">
@@ -3144,7 +3177,15 @@
             </a:r>
             <a:r>
               <a:rPr lang="en-US" dirty="0" smtClean="0"/>
-              <a:t> Hill Climbing: [0.1, 0.3, 0.1, 0.1, 0.2] con </a:t>
+              <a:t> Hill Climbing: </a:t>
+            </a:r>
+            <a:r>
+              <a:rPr lang="en-US" dirty="0"/>
+              <a:t>[0.0, 0.0, 0.1, 0.1, 0.5</a:t>
+            </a:r>
+            <a:r>
+              <a:rPr lang="en-US" dirty="0" smtClean="0"/>
+              <a:t>] con </a:t>
             </a:r>
             <a:r>
               <a:rPr lang="en-US" dirty="0" err="1" smtClean="0"/>
@@ -3152,8 +3193,13 @@
             </a:r>
             <a:r>
               <a:rPr lang="en-US" dirty="0" smtClean="0"/>
-              <a:t> 0.40</a:t>
-            </a:r>
+              <a:t> </a:t>
+            </a:r>
+            <a:r>
+              <a:rPr lang="en-US" dirty="0" smtClean="0"/>
+              <a:t>3.0</a:t>
+            </a:r>
+            <a:endParaRPr lang="en-US" dirty="0" smtClean="0"/>
           </a:p>
           <a:p>
             <a:pPr marL="342900" indent="-342900" algn="l">
@@ -3185,7 +3231,19 @@
             </a:r>
             <a:r>
               <a:rPr lang="en-US" dirty="0" smtClean="0"/>
-              <a:t> Generic Algorithm: [0.0, 0.5, 0.1, 0.1, 0.3] con </a:t>
+              <a:t> Generic Algorithm: </a:t>
+            </a:r>
+            <a:r>
+              <a:rPr lang="en-US" dirty="0"/>
+              <a:t>[0.0, 0.0, 0.4, 0.1, 0.1</a:t>
+            </a:r>
+            <a:r>
+              <a:rPr lang="en-US" dirty="0" smtClean="0"/>
+              <a:t>] </a:t>
+            </a:r>
+            <a:r>
+              <a:rPr lang="en-US" dirty="0" smtClean="0"/>
+              <a:t>con </a:t>
             </a:r>
             <a:r>
               <a:rPr lang="en-US" dirty="0" err="1" smtClean="0"/>
@@ -3197,8 +3255,9 @@
             </a:r>
             <a:r>
               <a:rPr lang="en-US" dirty="0" smtClean="0"/>
-              <a:t>8.69</a:t>
-            </a:r>
+              <a:t>7.49</a:t>
+            </a:r>
+            <a:endParaRPr lang="en-US" dirty="0" smtClean="0"/>
           </a:p>
           <a:p>
             <a:pPr marL="342900" indent="-342900" algn="l">
@@ -3238,11 +3297,19 @@
             </a:r>
             <a:r>
               <a:rPr lang="en-US" dirty="0"/>
-              <a:t>: [0.0, 0.3, 0.3, 0.1, 0.1] with </a:t>
+              <a:t>: </a:t>
+            </a:r>
+            <a:r>
+              <a:rPr lang="en-US" dirty="0"/>
+              <a:t>[0.1, 0.1, 0.2, 0.1, 0.2</a:t>
+            </a:r>
+            <a:r>
+              <a:rPr lang="en-US" dirty="0" smtClean="0"/>
+              <a:t>] con </a:t>
             </a:r>
             <a:r>
               <a:rPr lang="en-US" dirty="0" err="1"/>
-              <a:t>evalution</a:t>
+              <a:t>evaluación</a:t>
             </a:r>
             <a:r>
               <a:rPr lang="en-US" dirty="0"/>
@@ -3250,7 +3317,7 @@
             </a:r>
             <a:r>
               <a:rPr lang="en-US" dirty="0" smtClean="0"/>
-              <a:t>0.49</a:t>
+              <a:t>0.89</a:t>
             </a:r>
             <a:endParaRPr lang="en-US" dirty="0" smtClean="0"/>
           </a:p>
@@ -3412,36 +3479,40 @@
               <a:buChar char="•"/>
             </a:pPr>
             <a:r>
-              <a:rPr lang="en-US" dirty="0" err="1" smtClean="0"/>
+              <a:rPr lang="en-US" dirty="0" err="1"/>
               <a:t>Soluciones</a:t>
             </a:r>
             <a:r>
-              <a:rPr lang="en-US" dirty="0" smtClean="0"/>
+              <a:rPr lang="en-US" dirty="0"/>
               <a:t> </a:t>
             </a:r>
             <a:r>
-              <a:rPr lang="en-US" dirty="0" err="1" smtClean="0"/>
+              <a:rPr lang="en-US" dirty="0" err="1"/>
               <a:t>obtenidas</a:t>
             </a:r>
             <a:r>
-              <a:rPr lang="en-US" dirty="0" smtClean="0"/>
+              <a:rPr lang="en-US" dirty="0"/>
               <a:t> </a:t>
             </a:r>
             <a:r>
-              <a:rPr lang="en-US" dirty="0" err="1" smtClean="0"/>
+              <a:rPr lang="en-US" dirty="0" err="1"/>
               <a:t>por</a:t>
             </a:r>
             <a:r>
-              <a:rPr lang="en-US" dirty="0" smtClean="0"/>
-              <a:t> Random Search: [0.0, 0.4, 0.2, 0.4, 0.0] con </a:t>
-            </a:r>
-            <a:r>
-              <a:rPr lang="en-US" dirty="0" err="1" smtClean="0"/>
+              <a:rPr lang="en-US" dirty="0"/>
+              <a:t> Random Search[0.0, 0.2, 0.4, 0.2, 0.0</a:t>
+            </a:r>
+            <a:r>
+              <a:rPr lang="en-US" dirty="0" smtClean="0"/>
+              <a:t>] con </a:t>
+            </a:r>
+            <a:r>
+              <a:rPr lang="en-US" dirty="0" err="1"/>
               <a:t>evaluación</a:t>
             </a:r>
             <a:r>
-              <a:rPr lang="en-US" dirty="0" smtClean="0"/>
-              <a:t> 7.80</a:t>
+              <a:rPr lang="en-US" dirty="0"/>
+              <a:t> 3.0</a:t>
             </a:r>
           </a:p>
           <a:p>
@@ -3453,36 +3524,36 @@
               <a:buChar char="•"/>
             </a:pPr>
             <a:r>
-              <a:rPr lang="en-US" dirty="0" err="1" smtClean="0"/>
+              <a:rPr lang="en-US" dirty="0" err="1"/>
               <a:t>Soluciones</a:t>
             </a:r>
             <a:r>
-              <a:rPr lang="en-US" dirty="0" smtClean="0"/>
+              <a:rPr lang="en-US" dirty="0"/>
               <a:t> </a:t>
             </a:r>
             <a:r>
-              <a:rPr lang="en-US" dirty="0" err="1" smtClean="0"/>
+              <a:rPr lang="en-US" dirty="0" err="1"/>
               <a:t>obtenidas</a:t>
             </a:r>
             <a:r>
-              <a:rPr lang="en-US" dirty="0" smtClean="0"/>
+              <a:rPr lang="en-US" dirty="0"/>
               <a:t> </a:t>
             </a:r>
             <a:r>
-              <a:rPr lang="en-US" dirty="0" err="1" smtClean="0"/>
+              <a:rPr lang="en-US" dirty="0" err="1"/>
               <a:t>por</a:t>
             </a:r>
             <a:r>
-              <a:rPr lang="en-US" dirty="0" smtClean="0"/>
-              <a:t> Random Walk: [0.2, 0.8, 0.0, 0.0, 0.0] con </a:t>
-            </a:r>
-            <a:r>
-              <a:rPr lang="en-US" dirty="0" err="1" smtClean="0"/>
+              <a:rPr lang="en-US" dirty="0"/>
+              <a:t> Random Walk: [0.0, 0.2, 0.0, 0.2, 0.4] con </a:t>
+            </a:r>
+            <a:r>
+              <a:rPr lang="en-US" dirty="0" err="1"/>
               <a:t>evaluación</a:t>
             </a:r>
             <a:r>
-              <a:rPr lang="en-US" dirty="0" smtClean="0"/>
-              <a:t> 6.00</a:t>
+              <a:rPr lang="en-US" dirty="0"/>
+              <a:t> 4.19</a:t>
             </a:r>
           </a:p>
           <a:p>
@@ -3494,35 +3565,39 @@
               <a:buChar char="•"/>
             </a:pPr>
             <a:r>
-              <a:rPr lang="en-US" dirty="0" err="1" smtClean="0"/>
+              <a:rPr lang="en-US" dirty="0" err="1"/>
               <a:t>Soluciones</a:t>
             </a:r>
             <a:r>
-              <a:rPr lang="en-US" dirty="0" smtClean="0"/>
+              <a:rPr lang="en-US" dirty="0"/>
               <a:t> </a:t>
             </a:r>
             <a:r>
-              <a:rPr lang="en-US" dirty="0" err="1" smtClean="0"/>
+              <a:rPr lang="en-US" dirty="0" err="1"/>
               <a:t>obtenidas</a:t>
             </a:r>
             <a:r>
-              <a:rPr lang="en-US" dirty="0" smtClean="0"/>
+              <a:rPr lang="en-US" dirty="0"/>
               <a:t> </a:t>
             </a:r>
             <a:r>
-              <a:rPr lang="en-US" dirty="0" err="1" smtClean="0"/>
+              <a:rPr lang="en-US" dirty="0" err="1"/>
               <a:t>por</a:t>
             </a:r>
             <a:r>
-              <a:rPr lang="en-US" dirty="0" smtClean="0"/>
-              <a:t> Hill Climbing: [0.2, 0.0, 0.2, 0.2, 0.0] con </a:t>
-            </a:r>
-            <a:r>
-              <a:rPr lang="en-US" dirty="0" err="1" smtClean="0"/>
+              <a:rPr lang="en-US" dirty="0"/>
+              <a:t> Hill Climbing: [0.2, 0.0, 0.2, 0.2, 0.0</a:t>
+            </a:r>
+            <a:r>
+              <a:rPr lang="en-US" dirty="0" smtClean="0"/>
+              <a:t>] con </a:t>
+            </a:r>
+            <a:r>
+              <a:rPr lang="en-US" dirty="0" err="1"/>
               <a:t>evaluación</a:t>
             </a:r>
             <a:r>
-              <a:rPr lang="en-US" dirty="0" smtClean="0"/>
+              <a:rPr lang="en-US" dirty="0"/>
               <a:t> 5.40</a:t>
             </a:r>
           </a:p>
@@ -3535,40 +3610,36 @@
               <a:buChar char="•"/>
             </a:pPr>
             <a:r>
-              <a:rPr lang="en-US" dirty="0" err="1" smtClean="0"/>
+              <a:rPr lang="en-US" dirty="0" err="1"/>
               <a:t>Soluciones</a:t>
             </a:r>
             <a:r>
-              <a:rPr lang="en-US" dirty="0" smtClean="0"/>
+              <a:rPr lang="en-US" dirty="0"/>
               <a:t> </a:t>
             </a:r>
             <a:r>
-              <a:rPr lang="en-US" dirty="0" err="1" smtClean="0"/>
+              <a:rPr lang="en-US" dirty="0" err="1"/>
               <a:t>obtenidas</a:t>
             </a:r>
             <a:r>
-              <a:rPr lang="en-US" dirty="0" smtClean="0"/>
+              <a:rPr lang="en-US" dirty="0"/>
               <a:t> </a:t>
             </a:r>
             <a:r>
-              <a:rPr lang="en-US" dirty="0" err="1" smtClean="0"/>
+              <a:rPr lang="en-US" dirty="0" err="1"/>
               <a:t>por</a:t>
             </a:r>
             <a:r>
-              <a:rPr lang="en-US" dirty="0" smtClean="0"/>
-              <a:t> Generic Algorithm: [0.4, 0.4, 0.2, 0.0, 0.0] con </a:t>
-            </a:r>
-            <a:r>
-              <a:rPr lang="en-US" dirty="0" err="1" smtClean="0"/>
+              <a:rPr lang="en-US" dirty="0"/>
+              <a:t> Generic Algorithm: [0.0, 0.6, 0.2, 0.2, 0.2] con </a:t>
+            </a:r>
+            <a:r>
+              <a:rPr lang="en-US" dirty="0" err="1"/>
               <a:t>evaluación</a:t>
             </a:r>
             <a:r>
-              <a:rPr lang="en-US" dirty="0" smtClean="0"/>
-              <a:t> </a:t>
-            </a:r>
-            <a:r>
-              <a:rPr lang="en-US" dirty="0" smtClean="0"/>
-              <a:t>31.80</a:t>
+              <a:rPr lang="en-US" dirty="0"/>
+              <a:t> 24.6</a:t>
             </a:r>
           </a:p>
           <a:p>
@@ -3601,16 +3672,29 @@
             </a:r>
             <a:r>
               <a:rPr lang="en-US" dirty="0"/>
-              <a:t> Evolution Strategy: [0.2, 0.4, 0.0, 0.0, 0.2] with </a:t>
-            </a:r>
-            <a:r>
-              <a:rPr lang="en-US" dirty="0" err="1" smtClean="0"/>
-              <a:t>evalution</a:t>
-            </a:r>
-            <a:r>
-              <a:rPr lang="en-US" dirty="0" smtClean="0"/>
-              <a:t> 0.60</a:t>
-            </a:r>
+              <a:t> Evolution Strategy: [0.0, 0.2, 0.2, 0.2, 0.2</a:t>
+            </a:r>
+            <a:r>
+              <a:rPr lang="en-US" dirty="0" smtClean="0"/>
+              <a:t>]</a:t>
+            </a:r>
+            <a:r>
+              <a:rPr lang="en-US" dirty="0"/>
+              <a:t> con </a:t>
+            </a:r>
+            <a:r>
+              <a:rPr lang="en-US" dirty="0" err="1"/>
+              <a:t>evaluación</a:t>
+            </a:r>
+            <a:r>
+              <a:rPr lang="en-US" dirty="0"/>
+              <a:t> </a:t>
+            </a:r>
+            <a:r>
+              <a:rPr lang="en-US" dirty="0" smtClean="0"/>
+              <a:t>0.59</a:t>
+            </a:r>
+            <a:endParaRPr lang="en-US" dirty="0"/>
           </a:p>
           <a:p>
             <a:pPr algn="l">
